--- a/session-two/session-two-presentation.pptx
+++ b/session-two/session-two-presentation.pptx
@@ -8,10 +8,10 @@
     <p:sldMasterId id="2147483656" r:id="rId8"/>
   </p:sldMasterIdLst>
   <p:notesMasterIdLst>
-    <p:notesMasterId r:id="rId19"/>
+    <p:notesMasterId r:id="rId22"/>
   </p:notesMasterIdLst>
   <p:handoutMasterIdLst>
-    <p:handoutMasterId r:id="rId20"/>
+    <p:handoutMasterId r:id="rId23"/>
   </p:handoutMasterIdLst>
   <p:sldIdLst>
     <p:sldId id="359" r:id="rId9"/>
@@ -20,15 +20,18 @@
     <p:sldId id="396" r:id="rId12"/>
     <p:sldId id="398" r:id="rId13"/>
     <p:sldId id="397" r:id="rId14"/>
-    <p:sldId id="399" r:id="rId15"/>
-    <p:sldId id="401" r:id="rId16"/>
-    <p:sldId id="402" r:id="rId17"/>
-    <p:sldId id="400" r:id="rId18"/>
+    <p:sldId id="406" r:id="rId15"/>
+    <p:sldId id="399" r:id="rId16"/>
+    <p:sldId id="401" r:id="rId17"/>
+    <p:sldId id="402" r:id="rId18"/>
+    <p:sldId id="407" r:id="rId19"/>
+    <p:sldId id="400" r:id="rId20"/>
+    <p:sldId id="408" r:id="rId21"/>
   </p:sldIdLst>
   <p:sldSz cx="9144000" cy="5143500" type="screen16x9"/>
   <p:notesSz cx="6670675" cy="9875838"/>
   <p:custDataLst>
-    <p:tags r:id="rId21"/>
+    <p:tags r:id="rId24"/>
   </p:custDataLst>
   <p:defaultTextStyle>
     <a:defPPr>
@@ -246,7 +249,7 @@
             <a:fld id="{3BBED7E8-0829-F34C-B479-A757805E6C1B}" type="datetimeFigureOut">
               <a:rPr lang="en-US" smtClean="0"/>
               <a:pPr/>
-              <a:t>9/14/21</a:t>
+              <a:t>10/20/2022</a:t>
             </a:fld>
             <a:endParaRPr lang="en-US"/>
           </a:p>
@@ -414,7 +417,7 @@
             <a:fld id="{6C7E4F11-7667-5045-A00B-01970EA44BB5}" type="datetimeFigureOut">
               <a:rPr lang="en-US" smtClean="0"/>
               <a:pPr/>
-              <a:t>9/14/21</a:t>
+              <a:t>10/19/2022</a:t>
             </a:fld>
             <a:endParaRPr lang="en-US"/>
           </a:p>
@@ -1175,7 +1178,7 @@
             <a:fld id="{FAD751AE-7ABC-314D-AFAD-47B860ED6FFE}" type="slidenum">
               <a:rPr lang="en-US" smtClean="0"/>
               <a:pPr/>
-              <a:t>7</a:t>
+              <a:t>8</a:t>
             </a:fld>
             <a:endParaRPr lang="en-US"/>
           </a:p>
@@ -1260,7 +1263,7 @@
             <a:fld id="{FAD751AE-7ABC-314D-AFAD-47B860ED6FFE}" type="slidenum">
               <a:rPr lang="en-US" smtClean="0"/>
               <a:pPr/>
-              <a:t>8</a:t>
+              <a:t>9</a:t>
             </a:fld>
             <a:endParaRPr lang="en-US"/>
           </a:p>
@@ -1345,7 +1348,7 @@
             <a:fld id="{FAD751AE-7ABC-314D-AFAD-47B860ED6FFE}" type="slidenum">
               <a:rPr lang="en-US" smtClean="0"/>
               <a:pPr/>
-              <a:t>9</a:t>
+              <a:t>10</a:t>
             </a:fld>
             <a:endParaRPr lang="en-US"/>
           </a:p>
@@ -1430,7 +1433,7 @@
             <a:fld id="{FAD751AE-7ABC-314D-AFAD-47B860ED6FFE}" type="slidenum">
               <a:rPr lang="en-US" smtClean="0"/>
               <a:pPr/>
-              <a:t>10</a:t>
+              <a:t>12</a:t>
             </a:fld>
             <a:endParaRPr lang="en-US"/>
           </a:p>
@@ -26568,7 +26571,7 @@
                 <a:latin typeface="Arial"/>
                 <a:cs typeface="Arial"/>
               </a:rPr>
-              <a:t>Grouping and aggregating</a:t>
+              <a:t>Some useful functions</a:t>
             </a:r>
             <a:endParaRPr lang="en-GB" dirty="0">
               <a:solidFill>
@@ -26606,7 +26609,7 @@
           <a:p>
             <a:pPr marL="342900" indent="-342900">
               <a:spcAft>
-                <a:spcPts val="600"/>
+                <a:spcPts val="1800"/>
               </a:spcAft>
               <a:buChar char="•"/>
             </a:pPr>
@@ -26615,30 +26618,28 @@
                 <a:latin typeface="Arial"/>
                 <a:cs typeface="Arial"/>
               </a:rPr>
-              <a:t>Often we don’t just care about data at row-by-row level, but instead we care about forming </a:t>
-            </a:r>
-            <a:r>
-              <a:rPr lang="en-GB" sz="2000" b="1" dirty="0">
-                <a:latin typeface="Arial"/>
-                <a:cs typeface="Arial"/>
-              </a:rPr>
-              <a:t>groups </a:t>
-            </a:r>
+              <a:t>Often, we want to extract more information than simply raw data even before moving onto analysis and modelling stages</a:t>
+            </a:r>
+          </a:p>
+          <a:p>
+            <a:pPr marL="342900" indent="-342900">
+              <a:spcAft>
+                <a:spcPts val="1800"/>
+              </a:spcAft>
+              <a:buChar char="•"/>
+            </a:pPr>
             <a:r>
               <a:rPr lang="en-GB" sz="2000" dirty="0">
                 <a:latin typeface="Arial"/>
                 <a:cs typeface="Arial"/>
               </a:rPr>
-              <a:t>based on shared characteristics</a:t>
+              <a:t>Fortunately, SQL helps with this thanks to some useful functions:</a:t>
             </a:r>
           </a:p>
           <a:p>
             <a:pPr marL="800100" lvl="1" indent="-342900">
-              <a:lnSpc>
-                <a:spcPct val="150000"/>
-              </a:lnSpc>
               <a:spcAft>
-                <a:spcPts val="600"/>
+                <a:spcPts val="1800"/>
               </a:spcAft>
               <a:buChar char="•"/>
             </a:pPr>
@@ -26647,143 +26648,94 @@
                 <a:latin typeface="Arial"/>
                 <a:cs typeface="Arial"/>
               </a:rPr>
-              <a:t>GROUP BY </a:t>
+              <a:t>COUNT(), AVG(), MIN(), MAX(), SUM()</a:t>
+            </a:r>
+          </a:p>
+          <a:p>
+            <a:pPr marL="342900" indent="-342900">
+              <a:spcAft>
+                <a:spcPts val="1800"/>
+              </a:spcAft>
+              <a:buChar char="•"/>
+            </a:pPr>
+            <a:r>
+              <a:rPr lang="en-GB" sz="2000" dirty="0">
+                <a:latin typeface="Arial"/>
+                <a:cs typeface="Arial"/>
+              </a:rPr>
+              <a:t>These are directly applied onto the column of interest when specifying in the SELECT statement:</a:t>
+            </a:r>
+          </a:p>
+          <a:p>
+            <a:pPr marL="800100" lvl="1" indent="-342900">
+              <a:spcAft>
+                <a:spcPts val="1800"/>
+              </a:spcAft>
+              <a:buChar char="•"/>
+            </a:pPr>
+            <a:r>
+              <a:rPr lang="en-GB" sz="2000" dirty="0">
+                <a:latin typeface="Arial"/>
+                <a:cs typeface="Arial"/>
+              </a:rPr>
+              <a:t>SELECT COUNT(</a:t>
             </a:r>
             <a:r>
               <a:rPr lang="en-GB" sz="2000" dirty="0" err="1">
                 <a:latin typeface="Arial"/>
                 <a:cs typeface="Arial"/>
               </a:rPr>
-              <a:t>column_a</a:t>
+              <a:t>column_x</a:t>
             </a:r>
             <a:r>
               <a:rPr lang="en-GB" sz="2000" dirty="0">
                 <a:latin typeface="Arial"/>
                 <a:cs typeface="Arial"/>
               </a:rPr>
-              <a:t>, </a:t>
-            </a:r>
-            <a:r>
-              <a:rPr lang="en-GB" sz="2000" dirty="0" err="1">
-                <a:latin typeface="Arial"/>
-                <a:cs typeface="Arial"/>
-              </a:rPr>
-              <a:t>column_b</a:t>
-            </a:r>
+              <a:t>)  FROM …</a:t>
+            </a:r>
+          </a:p>
+          <a:p>
+            <a:pPr marL="800100" lvl="1" indent="-342900">
+              <a:spcAft>
+                <a:spcPts val="1800"/>
+              </a:spcAft>
+              <a:buChar char="•"/>
+            </a:pPr>
             <a:r>
               <a:rPr lang="en-GB" sz="2000" dirty="0">
                 <a:latin typeface="Arial"/>
                 <a:cs typeface="Arial"/>
               </a:rPr>
-              <a:t>, …</a:t>
-            </a:r>
-          </a:p>
-          <a:p>
-            <a:pPr marL="342900" indent="-342900">
-              <a:spcAft>
-                <a:spcPts val="600"/>
-              </a:spcAft>
-              <a:buChar char="•"/>
-            </a:pPr>
+              <a:t>SELECT SUM(</a:t>
+            </a:r>
+            <a:r>
+              <a:rPr lang="en-GB" sz="2000" dirty="0" err="1">
+                <a:cs typeface="Arial"/>
+              </a:rPr>
+              <a:t>column_y</a:t>
+            </a:r>
             <a:r>
               <a:rPr lang="en-GB" sz="2000" dirty="0">
                 <a:latin typeface="Arial"/>
                 <a:cs typeface="Arial"/>
               </a:rPr>
-              <a:t>Grouping can be powerful when we use it alongside the functions discussed previously to </a:t>
-            </a:r>
-            <a:r>
-              <a:rPr lang="en-GB" sz="2000" b="1" dirty="0">
-                <a:latin typeface="Arial"/>
-                <a:cs typeface="Arial"/>
-              </a:rPr>
-              <a:t>aggregate </a:t>
-            </a:r>
+              <a:t>) FROM …</a:t>
+            </a:r>
+          </a:p>
+          <a:p>
+            <a:pPr lvl="1">
+              <a:spcAft>
+                <a:spcPts val="1800"/>
+              </a:spcAft>
+            </a:pPr>
             <a:r>
               <a:rPr lang="en-GB" sz="2000" dirty="0">
                 <a:latin typeface="Arial"/>
                 <a:cs typeface="Arial"/>
               </a:rPr>
-              <a:t>data by groups</a:t>
-            </a:r>
-          </a:p>
-          <a:p>
-            <a:pPr marL="342900" indent="-342900">
-              <a:lnSpc>
-                <a:spcPct val="150000"/>
-              </a:lnSpc>
-              <a:spcAft>
-                <a:spcPts val="600"/>
-              </a:spcAft>
-              <a:buChar char="•"/>
-            </a:pPr>
-            <a:r>
-              <a:rPr lang="en-GB" sz="2000" dirty="0">
-                <a:latin typeface="Arial"/>
-                <a:cs typeface="Arial"/>
-              </a:rPr>
-              <a:t>This could involve finding:</a:t>
-            </a:r>
-          </a:p>
-          <a:p>
-            <a:pPr marL="800100" lvl="1" indent="-342900">
-              <a:spcAft>
-                <a:spcPts val="600"/>
-              </a:spcAft>
-              <a:buChar char="•"/>
-            </a:pPr>
-            <a:r>
-              <a:rPr lang="en-GB" sz="2000" dirty="0">
-                <a:latin typeface="Arial"/>
-                <a:cs typeface="Arial"/>
-              </a:rPr>
-              <a:t>The average sale in each store </a:t>
-            </a:r>
-          </a:p>
-          <a:p>
-            <a:pPr marL="800100" lvl="1" indent="-342900">
-              <a:spcAft>
-                <a:spcPts val="600"/>
-              </a:spcAft>
-              <a:buChar char="•"/>
-            </a:pPr>
-            <a:r>
-              <a:rPr lang="en-GB" sz="2000" dirty="0">
-                <a:latin typeface="Arial"/>
-                <a:cs typeface="Arial"/>
-              </a:rPr>
-              <a:t>The maximum energy dissipated in a reaction by molecule</a:t>
-            </a:r>
-          </a:p>
-          <a:p>
-            <a:pPr marL="800100" lvl="1" indent="-342900">
-              <a:spcAft>
-                <a:spcPts val="600"/>
-              </a:spcAft>
-              <a:buChar char="•"/>
-            </a:pPr>
-            <a:r>
-              <a:rPr lang="en-GB" sz="2000" dirty="0">
-                <a:latin typeface="Arial"/>
-                <a:cs typeface="Arial"/>
-              </a:rPr>
-              <a:t>The number (distinct?) of restaurants per city</a:t>
-            </a:r>
-          </a:p>
-          <a:p>
-            <a:pPr marL="342900" indent="-342900">
-              <a:lnSpc>
-                <a:spcPct val="150000"/>
-              </a:lnSpc>
-              <a:spcAft>
-                <a:spcPts val="600"/>
-              </a:spcAft>
-              <a:buChar char="•"/>
-            </a:pPr>
-            <a:endParaRPr lang="en-GB" sz="2000" dirty="0">
-              <a:latin typeface="Arial"/>
-              <a:cs typeface="Arial"/>
-            </a:endParaRPr>
+              <a:t>   </a:t>
+            </a:r>
           </a:p>
           <a:p>
             <a:pPr marL="342900" indent="-342900">
@@ -26847,7 +26799,550 @@
     </p:spTree>
     <p:extLst>
       <p:ext uri="{BB962C8B-B14F-4D97-AF65-F5344CB8AC3E}">
+        <p14:creationId xmlns:p14="http://schemas.microsoft.com/office/powerpoint/2010/main" val="2360079924"/>
+      </p:ext>
+    </p:extLst>
+  </p:cSld>
+  <p:clrMapOvr>
+    <a:masterClrMapping/>
+  </p:clrMapOvr>
+</p:sld>
+</file>
+
+<file path=ppt/slides/slide11.xml><?xml version="1.0" encoding="utf-8"?>
+<p:sld xmlns:a="http://schemas.openxmlformats.org/drawingml/2006/main" xmlns:r="http://schemas.openxmlformats.org/officeDocument/2006/relationships" xmlns:p="http://schemas.openxmlformats.org/presentationml/2006/main">
+  <p:cSld>
+    <p:spTree>
+      <p:nvGrpSpPr>
+        <p:cNvPr id="1" name=""/>
+        <p:cNvGrpSpPr/>
+        <p:nvPr/>
+      </p:nvGrpSpPr>
+      <p:grpSpPr>
+        <a:xfrm>
+          <a:off x="0" y="0"/>
+          <a:ext cx="0" cy="0"/>
+          <a:chOff x="0" y="0"/>
+          <a:chExt cx="0" cy="0"/>
+        </a:xfrm>
+      </p:grpSpPr>
+      <p:sp>
+        <p:nvSpPr>
+          <p:cNvPr id="2" name="Title 1">
+            <a:extLst>
+              <a:ext uri="{FF2B5EF4-FFF2-40B4-BE49-F238E27FC236}">
+                <a16:creationId xmlns:a16="http://schemas.microsoft.com/office/drawing/2014/main" id="{6FF1181F-0C76-47D0-83D2-2133FE38FB6F}"/>
+              </a:ext>
+            </a:extLst>
+          </p:cNvPr>
+          <p:cNvSpPr>
+            <a:spLocks noGrp="1"/>
+          </p:cNvSpPr>
+          <p:nvPr>
+            <p:ph type="title"/>
+          </p:nvPr>
+        </p:nvSpPr>
+        <p:spPr>
+          <a:xfrm>
+            <a:off x="252841" y="1515600"/>
+            <a:ext cx="8280000" cy="504000"/>
+          </a:xfrm>
+        </p:spPr>
+        <p:txBody>
+          <a:bodyPr vert="horz" anchor="t"/>
+          <a:lstStyle/>
+          <a:p>
+            <a:r>
+              <a:rPr lang="en-GB" sz="5400" dirty="0">
+                <a:solidFill>
+                  <a:srgbClr val="0A1A61"/>
+                </a:solidFill>
+                <a:latin typeface="Arial"/>
+                <a:cs typeface="Arial"/>
+              </a:rPr>
+              <a:t>Class Exercise 2</a:t>
+            </a:r>
+            <a:endParaRPr lang="en-GB" sz="5400" dirty="0">
+              <a:solidFill>
+                <a:srgbClr val="0A1A61"/>
+              </a:solidFill>
+            </a:endParaRPr>
+          </a:p>
+        </p:txBody>
+      </p:sp>
+      <p:pic>
+        <p:nvPicPr>
+          <p:cNvPr id="11" name="Picture 10" descr="Icon&#10;&#10;Description automatically generated with medium confidence">
+            <a:extLst>
+              <a:ext uri="{FF2B5EF4-FFF2-40B4-BE49-F238E27FC236}">
+                <a16:creationId xmlns:a16="http://schemas.microsoft.com/office/drawing/2014/main" id="{9C55FA2C-2ED3-214B-A3EE-D04184A9A98F}"/>
+              </a:ext>
+            </a:extLst>
+          </p:cNvPr>
+          <p:cNvPicPr>
+            <a:picLocks noChangeAspect="1"/>
+          </p:cNvPicPr>
+          <p:nvPr/>
+        </p:nvPicPr>
+        <p:blipFill>
+          <a:blip r:embed="rId2"/>
+          <a:stretch>
+            <a:fillRect/>
+          </a:stretch>
+        </p:blipFill>
+        <p:spPr>
+          <a:xfrm>
+            <a:off x="8127812" y="4127312"/>
+            <a:ext cx="1016188" cy="1016188"/>
+          </a:xfrm>
+          <a:prstGeom prst="rect">
+            <a:avLst/>
+          </a:prstGeom>
+        </p:spPr>
+      </p:pic>
+    </p:spTree>
+    <p:extLst>
+      <p:ext uri="{BB962C8B-B14F-4D97-AF65-F5344CB8AC3E}">
+        <p14:creationId xmlns:p14="http://schemas.microsoft.com/office/powerpoint/2010/main" val="1051538763"/>
+      </p:ext>
+    </p:extLst>
+  </p:cSld>
+  <p:clrMapOvr>
+    <a:masterClrMapping/>
+  </p:clrMapOvr>
+</p:sld>
+</file>
+
+<file path=ppt/slides/slide12.xml><?xml version="1.0" encoding="utf-8"?>
+<p:sld xmlns:a="http://schemas.openxmlformats.org/drawingml/2006/main" xmlns:r="http://schemas.openxmlformats.org/officeDocument/2006/relationships" xmlns:p="http://schemas.openxmlformats.org/presentationml/2006/main">
+  <p:cSld>
+    <p:spTree>
+      <p:nvGrpSpPr>
+        <p:cNvPr id="1" name=""/>
+        <p:cNvGrpSpPr/>
+        <p:nvPr/>
+      </p:nvGrpSpPr>
+      <p:grpSpPr>
+        <a:xfrm>
+          <a:off x="0" y="0"/>
+          <a:ext cx="0" cy="0"/>
+          <a:chOff x="0" y="0"/>
+          <a:chExt cx="0" cy="0"/>
+        </a:xfrm>
+      </p:grpSpPr>
+      <p:sp>
+        <p:nvSpPr>
+          <p:cNvPr id="2" name="Title 1">
+            <a:extLst>
+              <a:ext uri="{FF2B5EF4-FFF2-40B4-BE49-F238E27FC236}">
+                <a16:creationId xmlns:a16="http://schemas.microsoft.com/office/drawing/2014/main" id="{6FF1181F-0C76-47D0-83D2-2133FE38FB6F}"/>
+              </a:ext>
+            </a:extLst>
+          </p:cNvPr>
+          <p:cNvSpPr>
+            <a:spLocks noGrp="1"/>
+          </p:cNvSpPr>
+          <p:nvPr>
+            <p:ph type="title"/>
+          </p:nvPr>
+        </p:nvSpPr>
+        <p:spPr/>
+        <p:txBody>
+          <a:bodyPr vert="horz" anchor="t"/>
+          <a:lstStyle/>
+          <a:p>
+            <a:r>
+              <a:rPr lang="en-GB" dirty="0">
+                <a:solidFill>
+                  <a:srgbClr val="0A1A61"/>
+                </a:solidFill>
+                <a:latin typeface="Arial"/>
+                <a:cs typeface="Arial"/>
+              </a:rPr>
+              <a:t>Grouping and aggregating</a:t>
+            </a:r>
+            <a:endParaRPr lang="en-GB" dirty="0">
+              <a:solidFill>
+                <a:srgbClr val="0A1A61"/>
+              </a:solidFill>
+            </a:endParaRPr>
+          </a:p>
+        </p:txBody>
+      </p:sp>
+      <p:sp>
+        <p:nvSpPr>
+          <p:cNvPr id="3" name="Text Placeholder 2">
+            <a:extLst>
+              <a:ext uri="{FF2B5EF4-FFF2-40B4-BE49-F238E27FC236}">
+                <a16:creationId xmlns:a16="http://schemas.microsoft.com/office/drawing/2014/main" id="{D9F59F0A-AA59-4F15-95CC-124F6F55180D}"/>
+              </a:ext>
+            </a:extLst>
+          </p:cNvPr>
+          <p:cNvSpPr>
+            <a:spLocks noGrp="1"/>
+          </p:cNvSpPr>
+          <p:nvPr>
+            <p:ph type="body" sz="quarter" idx="11"/>
+          </p:nvPr>
+        </p:nvSpPr>
+        <p:spPr>
+          <a:xfrm>
+            <a:off x="237061" y="712956"/>
+            <a:ext cx="8513239" cy="3709025"/>
+          </a:xfrm>
+        </p:spPr>
+        <p:txBody>
+          <a:bodyPr vert="horz" anchor="t"/>
+          <a:lstStyle/>
+          <a:p>
+            <a:pPr marL="342900" indent="-342900">
+              <a:spcAft>
+                <a:spcPts val="600"/>
+              </a:spcAft>
+              <a:buChar char="•"/>
+            </a:pPr>
+            <a:r>
+              <a:rPr lang="en-GB" sz="2000" dirty="0">
+                <a:latin typeface="Arial"/>
+                <a:cs typeface="Arial"/>
+              </a:rPr>
+              <a:t>Often we don’t just care about data at row-by-row level, but instead we care about forming </a:t>
+            </a:r>
+            <a:r>
+              <a:rPr lang="en-GB" sz="2000" b="1" dirty="0">
+                <a:latin typeface="Arial"/>
+                <a:cs typeface="Arial"/>
+              </a:rPr>
+              <a:t>groups </a:t>
+            </a:r>
+            <a:r>
+              <a:rPr lang="en-GB" sz="2000" dirty="0">
+                <a:latin typeface="Arial"/>
+                <a:cs typeface="Arial"/>
+              </a:rPr>
+              <a:t>based on shared characteristics</a:t>
+            </a:r>
+          </a:p>
+          <a:p>
+            <a:pPr marL="800100" lvl="1" indent="-342900">
+              <a:lnSpc>
+                <a:spcPct val="150000"/>
+              </a:lnSpc>
+              <a:spcAft>
+                <a:spcPts val="600"/>
+              </a:spcAft>
+              <a:buChar char="•"/>
+            </a:pPr>
+            <a:r>
+              <a:rPr lang="en-GB" sz="2000" dirty="0">
+                <a:latin typeface="Arial"/>
+                <a:cs typeface="Arial"/>
+              </a:rPr>
+              <a:t>GROUP BY </a:t>
+            </a:r>
+            <a:r>
+              <a:rPr lang="en-GB" sz="2000" dirty="0" err="1">
+                <a:latin typeface="Arial"/>
+                <a:cs typeface="Arial"/>
+              </a:rPr>
+              <a:t>column_a</a:t>
+            </a:r>
+            <a:r>
+              <a:rPr lang="en-GB" sz="2000" dirty="0">
+                <a:latin typeface="Arial"/>
+                <a:cs typeface="Arial"/>
+              </a:rPr>
+              <a:t>, </a:t>
+            </a:r>
+            <a:r>
+              <a:rPr lang="en-GB" sz="2000" dirty="0" err="1">
+                <a:latin typeface="Arial"/>
+                <a:cs typeface="Arial"/>
+              </a:rPr>
+              <a:t>column_b</a:t>
+            </a:r>
+            <a:r>
+              <a:rPr lang="en-GB" sz="2000" dirty="0">
+                <a:latin typeface="Arial"/>
+                <a:cs typeface="Arial"/>
+              </a:rPr>
+              <a:t>, …</a:t>
+            </a:r>
+          </a:p>
+          <a:p>
+            <a:pPr marL="342900" indent="-342900">
+              <a:spcAft>
+                <a:spcPts val="600"/>
+              </a:spcAft>
+              <a:buChar char="•"/>
+            </a:pPr>
+            <a:r>
+              <a:rPr lang="en-GB" sz="2000" dirty="0">
+                <a:latin typeface="Arial"/>
+                <a:cs typeface="Arial"/>
+              </a:rPr>
+              <a:t>Grouping can be powerful when we use it alongside the functions discussed previously to </a:t>
+            </a:r>
+            <a:r>
+              <a:rPr lang="en-GB" sz="2000" b="1" dirty="0">
+                <a:latin typeface="Arial"/>
+                <a:cs typeface="Arial"/>
+              </a:rPr>
+              <a:t>aggregate </a:t>
+            </a:r>
+            <a:r>
+              <a:rPr lang="en-GB" sz="2000" dirty="0">
+                <a:latin typeface="Arial"/>
+                <a:cs typeface="Arial"/>
+              </a:rPr>
+              <a:t>data by groups</a:t>
+            </a:r>
+          </a:p>
+          <a:p>
+            <a:pPr marL="342900" indent="-342900">
+              <a:lnSpc>
+                <a:spcPct val="150000"/>
+              </a:lnSpc>
+              <a:spcAft>
+                <a:spcPts val="600"/>
+              </a:spcAft>
+              <a:buChar char="•"/>
+            </a:pPr>
+            <a:r>
+              <a:rPr lang="en-GB" sz="2000" dirty="0">
+                <a:latin typeface="Arial"/>
+                <a:cs typeface="Arial"/>
+              </a:rPr>
+              <a:t>This could involve finding:</a:t>
+            </a:r>
+          </a:p>
+          <a:p>
+            <a:pPr marL="800100" lvl="1" indent="-342900">
+              <a:spcAft>
+                <a:spcPts val="600"/>
+              </a:spcAft>
+              <a:buChar char="•"/>
+            </a:pPr>
+            <a:r>
+              <a:rPr lang="en-GB" sz="2000" dirty="0">
+                <a:latin typeface="Arial"/>
+                <a:cs typeface="Arial"/>
+              </a:rPr>
+              <a:t>The average sale in each store </a:t>
+            </a:r>
+          </a:p>
+          <a:p>
+            <a:pPr marL="800100" lvl="1" indent="-342900">
+              <a:spcAft>
+                <a:spcPts val="600"/>
+              </a:spcAft>
+              <a:buChar char="•"/>
+            </a:pPr>
+            <a:r>
+              <a:rPr lang="en-GB" sz="2000" dirty="0">
+                <a:latin typeface="Arial"/>
+                <a:cs typeface="Arial"/>
+              </a:rPr>
+              <a:t>The maximum energy dissipated in a reaction by molecule</a:t>
+            </a:r>
+          </a:p>
+          <a:p>
+            <a:pPr marL="800100" lvl="1" indent="-342900">
+              <a:spcAft>
+                <a:spcPts val="600"/>
+              </a:spcAft>
+              <a:buChar char="•"/>
+            </a:pPr>
+            <a:r>
+              <a:rPr lang="en-GB" sz="2000" dirty="0">
+                <a:latin typeface="Arial"/>
+                <a:cs typeface="Arial"/>
+              </a:rPr>
+              <a:t>The number (distinct?) of restaurants per city</a:t>
+            </a:r>
+          </a:p>
+          <a:p>
+            <a:pPr marL="342900" indent="-342900">
+              <a:lnSpc>
+                <a:spcPct val="150000"/>
+              </a:lnSpc>
+              <a:spcAft>
+                <a:spcPts val="600"/>
+              </a:spcAft>
+              <a:buChar char="•"/>
+            </a:pPr>
+            <a:endParaRPr lang="en-GB" sz="2000" dirty="0">
+              <a:latin typeface="Arial"/>
+              <a:cs typeface="Arial"/>
+            </a:endParaRPr>
+          </a:p>
+          <a:p>
+            <a:pPr marL="342900" indent="-342900">
+              <a:spcAft>
+                <a:spcPts val="600"/>
+              </a:spcAft>
+              <a:buChar char="•"/>
+            </a:pPr>
+            <a:endParaRPr lang="en-GB" sz="2000" dirty="0">
+              <a:latin typeface="Arial"/>
+              <a:cs typeface="Arial"/>
+            </a:endParaRPr>
+          </a:p>
+          <a:p>
+            <a:pPr marL="342900" indent="-342900">
+              <a:buChar char="•"/>
+            </a:pPr>
+            <a:endParaRPr lang="en-GB" sz="2000" b="1" dirty="0">
+              <a:latin typeface="Arial"/>
+              <a:cs typeface="Arial"/>
+            </a:endParaRPr>
+          </a:p>
+          <a:p>
+            <a:pPr marL="342900" indent="-342900">
+              <a:buChar char="•"/>
+            </a:pPr>
+            <a:endParaRPr lang="en-GB" sz="2000" dirty="0"/>
+          </a:p>
+        </p:txBody>
+      </p:sp>
+      <p:pic>
+        <p:nvPicPr>
+          <p:cNvPr id="11" name="Picture 10" descr="Icon&#10;&#10;Description automatically generated with medium confidence">
+            <a:extLst>
+              <a:ext uri="{FF2B5EF4-FFF2-40B4-BE49-F238E27FC236}">
+                <a16:creationId xmlns:a16="http://schemas.microsoft.com/office/drawing/2014/main" id="{9C55FA2C-2ED3-214B-A3EE-D04184A9A98F}"/>
+              </a:ext>
+            </a:extLst>
+          </p:cNvPr>
+          <p:cNvPicPr>
+            <a:picLocks noChangeAspect="1"/>
+          </p:cNvPicPr>
+          <p:nvPr/>
+        </p:nvPicPr>
+        <p:blipFill>
+          <a:blip r:embed="rId3"/>
+          <a:stretch>
+            <a:fillRect/>
+          </a:stretch>
+        </p:blipFill>
+        <p:spPr>
+          <a:xfrm>
+            <a:off x="8127812" y="4127312"/>
+            <a:ext cx="1016188" cy="1016188"/>
+          </a:xfrm>
+          <a:prstGeom prst="rect">
+            <a:avLst/>
+          </a:prstGeom>
+        </p:spPr>
+      </p:pic>
+    </p:spTree>
+    <p:extLst>
+      <p:ext uri="{BB962C8B-B14F-4D97-AF65-F5344CB8AC3E}">
         <p14:creationId xmlns:p14="http://schemas.microsoft.com/office/powerpoint/2010/main" val="3645776401"/>
+      </p:ext>
+    </p:extLst>
+  </p:cSld>
+  <p:clrMapOvr>
+    <a:masterClrMapping/>
+  </p:clrMapOvr>
+</p:sld>
+</file>
+
+<file path=ppt/slides/slide13.xml><?xml version="1.0" encoding="utf-8"?>
+<p:sld xmlns:a="http://schemas.openxmlformats.org/drawingml/2006/main" xmlns:r="http://schemas.openxmlformats.org/officeDocument/2006/relationships" xmlns:p="http://schemas.openxmlformats.org/presentationml/2006/main">
+  <p:cSld>
+    <p:spTree>
+      <p:nvGrpSpPr>
+        <p:cNvPr id="1" name=""/>
+        <p:cNvGrpSpPr/>
+        <p:nvPr/>
+      </p:nvGrpSpPr>
+      <p:grpSpPr>
+        <a:xfrm>
+          <a:off x="0" y="0"/>
+          <a:ext cx="0" cy="0"/>
+          <a:chOff x="0" y="0"/>
+          <a:chExt cx="0" cy="0"/>
+        </a:xfrm>
+      </p:grpSpPr>
+      <p:sp>
+        <p:nvSpPr>
+          <p:cNvPr id="2" name="Title 1">
+            <a:extLst>
+              <a:ext uri="{FF2B5EF4-FFF2-40B4-BE49-F238E27FC236}">
+                <a16:creationId xmlns:a16="http://schemas.microsoft.com/office/drawing/2014/main" id="{6FF1181F-0C76-47D0-83D2-2133FE38FB6F}"/>
+              </a:ext>
+            </a:extLst>
+          </p:cNvPr>
+          <p:cNvSpPr>
+            <a:spLocks noGrp="1"/>
+          </p:cNvSpPr>
+          <p:nvPr>
+            <p:ph type="title"/>
+          </p:nvPr>
+        </p:nvSpPr>
+        <p:spPr>
+          <a:xfrm>
+            <a:off x="252841" y="1515600"/>
+            <a:ext cx="8280000" cy="504000"/>
+          </a:xfrm>
+        </p:spPr>
+        <p:txBody>
+          <a:bodyPr vert="horz" anchor="t"/>
+          <a:lstStyle/>
+          <a:p>
+            <a:r>
+              <a:rPr lang="en-GB" sz="5400" dirty="0">
+                <a:solidFill>
+                  <a:srgbClr val="0A1A61"/>
+                </a:solidFill>
+                <a:latin typeface="Arial"/>
+                <a:cs typeface="Arial"/>
+              </a:rPr>
+              <a:t>Class Exercise 3</a:t>
+            </a:r>
+            <a:endParaRPr lang="en-GB" sz="5400" dirty="0">
+              <a:solidFill>
+                <a:srgbClr val="0A1A61"/>
+              </a:solidFill>
+            </a:endParaRPr>
+          </a:p>
+        </p:txBody>
+      </p:sp>
+      <p:pic>
+        <p:nvPicPr>
+          <p:cNvPr id="11" name="Picture 10" descr="Icon&#10;&#10;Description automatically generated with medium confidence">
+            <a:extLst>
+              <a:ext uri="{FF2B5EF4-FFF2-40B4-BE49-F238E27FC236}">
+                <a16:creationId xmlns:a16="http://schemas.microsoft.com/office/drawing/2014/main" id="{9C55FA2C-2ED3-214B-A3EE-D04184A9A98F}"/>
+              </a:ext>
+            </a:extLst>
+          </p:cNvPr>
+          <p:cNvPicPr>
+            <a:picLocks noChangeAspect="1"/>
+          </p:cNvPicPr>
+          <p:nvPr/>
+        </p:nvPicPr>
+        <p:blipFill>
+          <a:blip r:embed="rId2"/>
+          <a:stretch>
+            <a:fillRect/>
+          </a:stretch>
+        </p:blipFill>
+        <p:spPr>
+          <a:xfrm>
+            <a:off x="8127812" y="4127312"/>
+            <a:ext cx="1016188" cy="1016188"/>
+          </a:xfrm>
+          <a:prstGeom prst="rect">
+            <a:avLst/>
+          </a:prstGeom>
+        </p:spPr>
+      </p:pic>
+    </p:spTree>
+    <p:extLst>
+      <p:ext uri="{BB962C8B-B14F-4D97-AF65-F5344CB8AC3E}">
+        <p14:creationId xmlns:p14="http://schemas.microsoft.com/office/powerpoint/2010/main" val="3360256167"/>
       </p:ext>
     </p:extLst>
   </p:cSld>
@@ -28304,180 +28799,31 @@
             <p:ph type="title"/>
           </p:nvPr>
         </p:nvSpPr>
-        <p:spPr/>
+        <p:spPr>
+          <a:xfrm>
+            <a:off x="252841" y="1515600"/>
+            <a:ext cx="8280000" cy="504000"/>
+          </a:xfrm>
+        </p:spPr>
         <p:txBody>
           <a:bodyPr vert="horz" anchor="t"/>
           <a:lstStyle/>
           <a:p>
             <a:r>
-              <a:rPr lang="en-GB" dirty="0">
+              <a:rPr lang="en-GB" sz="5400" dirty="0">
                 <a:solidFill>
                   <a:srgbClr val="0A1A61"/>
                 </a:solidFill>
                 <a:latin typeface="Arial"/>
                 <a:cs typeface="Arial"/>
               </a:rPr>
-              <a:t>Ordered queries</a:t>
-            </a:r>
-            <a:endParaRPr lang="en-GB" dirty="0">
+              <a:t>Class Exercise 1</a:t>
+            </a:r>
+            <a:endParaRPr lang="en-GB" sz="5400" dirty="0">
               <a:solidFill>
                 <a:srgbClr val="0A1A61"/>
               </a:solidFill>
             </a:endParaRPr>
-          </a:p>
-        </p:txBody>
-      </p:sp>
-      <p:sp>
-        <p:nvSpPr>
-          <p:cNvPr id="3" name="Text Placeholder 2">
-            <a:extLst>
-              <a:ext uri="{FF2B5EF4-FFF2-40B4-BE49-F238E27FC236}">
-                <a16:creationId xmlns:a16="http://schemas.microsoft.com/office/drawing/2014/main" id="{D9F59F0A-AA59-4F15-95CC-124F6F55180D}"/>
-              </a:ext>
-            </a:extLst>
-          </p:cNvPr>
-          <p:cNvSpPr>
-            <a:spLocks noGrp="1"/>
-          </p:cNvSpPr>
-          <p:nvPr>
-            <p:ph type="body" sz="quarter" idx="11"/>
-          </p:nvPr>
-        </p:nvSpPr>
-        <p:spPr>
-          <a:xfrm>
-            <a:off x="237061" y="712956"/>
-            <a:ext cx="8513239" cy="3709025"/>
-          </a:xfrm>
-        </p:spPr>
-        <p:txBody>
-          <a:bodyPr vert="horz" anchor="t"/>
-          <a:lstStyle/>
-          <a:p>
-            <a:pPr marL="342900" indent="-342900">
-              <a:spcAft>
-                <a:spcPts val="1800"/>
-              </a:spcAft>
-              <a:buChar char="•"/>
-            </a:pPr>
-            <a:r>
-              <a:rPr lang="en-GB" sz="2000" dirty="0">
-                <a:latin typeface="Arial"/>
-                <a:cs typeface="Arial"/>
-              </a:rPr>
-              <a:t>We’ve seen how to use the LIMIT clause to control the number of rows that we can retrieve in a query </a:t>
-            </a:r>
-          </a:p>
-          <a:p>
-            <a:pPr marL="342900" indent="-342900">
-              <a:spcAft>
-                <a:spcPts val="1800"/>
-              </a:spcAft>
-              <a:buChar char="•"/>
-            </a:pPr>
-            <a:r>
-              <a:rPr lang="en-GB" sz="2000" dirty="0">
-                <a:latin typeface="Arial"/>
-                <a:cs typeface="Arial"/>
-              </a:rPr>
-              <a:t>We might only want to do this after all rows have been ordered in a particular way  </a:t>
-            </a:r>
-          </a:p>
-          <a:p>
-            <a:pPr marL="342900" indent="-342900">
-              <a:spcAft>
-                <a:spcPts val="1800"/>
-              </a:spcAft>
-              <a:buChar char="•"/>
-            </a:pPr>
-            <a:r>
-              <a:rPr lang="en-GB" sz="2000" dirty="0">
-                <a:latin typeface="Arial"/>
-                <a:cs typeface="Arial"/>
-              </a:rPr>
-              <a:t>This can be done using the </a:t>
-            </a:r>
-            <a:r>
-              <a:rPr lang="en-GB" sz="2000" dirty="0">
-                <a:cs typeface="Arial"/>
-              </a:rPr>
-              <a:t>ORDER BY </a:t>
-            </a:r>
-            <a:endParaRPr lang="en-GB" sz="2000" dirty="0">
-              <a:latin typeface="Arial"/>
-              <a:cs typeface="Arial"/>
-            </a:endParaRPr>
-          </a:p>
-          <a:p>
-            <a:pPr marL="800100" lvl="1" indent="-342900">
-              <a:spcAft>
-                <a:spcPts val="1800"/>
-              </a:spcAft>
-              <a:buFont typeface="Arial"/>
-              <a:buChar char="•"/>
-            </a:pPr>
-            <a:r>
-              <a:rPr lang="en-GB" sz="2000" dirty="0">
-                <a:cs typeface="Arial"/>
-              </a:rPr>
-              <a:t>ORDER BY column1, column2, ...  </a:t>
-            </a:r>
-          </a:p>
-          <a:p>
-            <a:pPr marL="342900" indent="-342900">
-              <a:spcAft>
-                <a:spcPts val="1800"/>
-              </a:spcAft>
-              <a:buChar char="•"/>
-            </a:pPr>
-            <a:r>
-              <a:rPr lang="en-GB" sz="2000" dirty="0">
-                <a:latin typeface="Arial"/>
-                <a:cs typeface="Arial"/>
-              </a:rPr>
-              <a:t>The rows will be ordered by the first column, then the second one, ….</a:t>
-            </a:r>
-          </a:p>
-          <a:p>
-            <a:pPr marL="342900" indent="-342900">
-              <a:spcAft>
-                <a:spcPts val="1800"/>
-              </a:spcAft>
-              <a:buChar char="•"/>
-            </a:pPr>
-            <a:r>
-              <a:rPr lang="en-GB" sz="2000" dirty="0">
-                <a:latin typeface="Arial"/>
-                <a:cs typeface="Arial"/>
-              </a:rPr>
-              <a:t>After every column specified, you can follow with ASC or DESC to specify if ordering is ascending or descending</a:t>
-            </a:r>
-          </a:p>
-          <a:p>
-            <a:pPr marL="342900" indent="-342900">
-              <a:spcAft>
-                <a:spcPts val="600"/>
-              </a:spcAft>
-              <a:buChar char="•"/>
-            </a:pPr>
-            <a:endParaRPr lang="en-GB" sz="2000" dirty="0">
-              <a:latin typeface="Arial"/>
-              <a:cs typeface="Arial"/>
-            </a:endParaRPr>
-          </a:p>
-          <a:p>
-            <a:pPr marL="342900" indent="-342900">
-              <a:buChar char="•"/>
-            </a:pPr>
-            <a:endParaRPr lang="en-GB" sz="2000" b="1" dirty="0">
-              <a:latin typeface="Arial"/>
-              <a:cs typeface="Arial"/>
-            </a:endParaRPr>
-          </a:p>
-          <a:p>
-            <a:pPr marL="342900" indent="-342900">
-              <a:buChar char="•"/>
-            </a:pPr>
-            <a:endParaRPr lang="en-GB" sz="2000" dirty="0"/>
           </a:p>
         </p:txBody>
       </p:sp>
@@ -28496,7 +28842,7 @@
           <p:nvPr/>
         </p:nvPicPr>
         <p:blipFill>
-          <a:blip r:embed="rId3"/>
+          <a:blip r:embed="rId2"/>
           <a:stretch>
             <a:fillRect/>
           </a:stretch>
@@ -28514,7 +28860,7 @@
     </p:spTree>
     <p:extLst>
       <p:ext uri="{BB962C8B-B14F-4D97-AF65-F5344CB8AC3E}">
-        <p14:creationId xmlns:p14="http://schemas.microsoft.com/office/powerpoint/2010/main" val="1772305224"/>
+        <p14:creationId xmlns:p14="http://schemas.microsoft.com/office/powerpoint/2010/main" val="2682193326"/>
       </p:ext>
     </p:extLst>
   </p:cSld>
@@ -28570,7 +28916,7 @@
                 <a:latin typeface="Arial"/>
                 <a:cs typeface="Arial"/>
               </a:rPr>
-              <a:t>Distinct selections</a:t>
+              <a:t>Ordered queries</a:t>
             </a:r>
             <a:endParaRPr lang="en-GB" dirty="0">
               <a:solidFill>
@@ -28617,7 +28963,7 @@
                 <a:latin typeface="Arial"/>
                 <a:cs typeface="Arial"/>
               </a:rPr>
-              <a:t>Sometimes, when we want to look at a variable in isolation, we care about the number of distinct elements for a column</a:t>
+              <a:t>We’ve seen how to use the LIMIT clause to control the number of rows that we can retrieve in a query </a:t>
             </a:r>
           </a:p>
           <a:p>
@@ -28632,22 +28978,7 @@
                 <a:latin typeface="Arial"/>
                 <a:cs typeface="Arial"/>
               </a:rPr>
-              <a:t>To do this, we can turn our SELECT into a SELECT DISTINCT:</a:t>
-            </a:r>
-          </a:p>
-          <a:p>
-            <a:pPr marL="800100" lvl="1" indent="-342900">
-              <a:spcAft>
-                <a:spcPts val="1800"/>
-              </a:spcAft>
-              <a:buChar char="•"/>
-            </a:pPr>
-            <a:r>
-              <a:rPr lang="en-GB" sz="2000" dirty="0">
-                <a:latin typeface="Arial"/>
-                <a:cs typeface="Arial"/>
-              </a:rPr>
-              <a:t>SELECT DISTINCT column_1, column_2 …</a:t>
+              <a:t>We might only want to do this after all rows have been ordered in a particular way  </a:t>
             </a:r>
           </a:p>
           <a:p>
@@ -28662,20 +28993,63 @@
                 <a:latin typeface="Arial"/>
                 <a:cs typeface="Arial"/>
               </a:rPr>
-              <a:t>If you follow a SELECT DISTINCT statement by more than one column, SQL will look for distinct combinations of elements rather than distinct elements for each column </a:t>
-            </a:r>
+              <a:t>This can be done using the </a:t>
+            </a:r>
+            <a:r>
+              <a:rPr lang="en-GB" sz="2000" dirty="0">
+                <a:cs typeface="Arial"/>
+              </a:rPr>
+              <a:t>ORDER BY </a:t>
+            </a:r>
+            <a:endParaRPr lang="en-GB" sz="2000" dirty="0">
+              <a:latin typeface="Arial"/>
+              <a:cs typeface="Arial"/>
+            </a:endParaRPr>
           </a:p>
           <a:p>
             <a:pPr marL="800100" lvl="1" indent="-342900">
+              <a:spcAft>
+                <a:spcPts val="1800"/>
+              </a:spcAft>
+              <a:buFont typeface="Arial"/>
+              <a:buChar char="•"/>
+            </a:pPr>
+            <a:r>
+              <a:rPr lang="en-GB" sz="2000" dirty="0">
+                <a:cs typeface="Arial"/>
+              </a:rPr>
+              <a:t>ORDER BY column1, column2, ...  </a:t>
+            </a:r>
+          </a:p>
+          <a:p>
+            <a:pPr marL="342900" indent="-342900">
               <a:spcAft>
                 <a:spcPts val="1800"/>
               </a:spcAft>
               <a:buChar char="•"/>
             </a:pPr>
-            <a:endParaRPr lang="en-GB" sz="2000" dirty="0">
-              <a:latin typeface="Arial"/>
-              <a:cs typeface="Arial"/>
-            </a:endParaRPr>
+            <a:r>
+              <a:rPr lang="en-GB" sz="2000" dirty="0">
+                <a:latin typeface="Arial"/>
+                <a:cs typeface="Arial"/>
+              </a:rPr>
+              <a:t>The rows will be ordered by the first column, then the second one, ….</a:t>
+            </a:r>
+          </a:p>
+          <a:p>
+            <a:pPr marL="342900" indent="-342900">
+              <a:spcAft>
+                <a:spcPts val="1800"/>
+              </a:spcAft>
+              <a:buChar char="•"/>
+            </a:pPr>
+            <a:r>
+              <a:rPr lang="en-GB" sz="2000" dirty="0">
+                <a:latin typeface="Arial"/>
+                <a:cs typeface="Arial"/>
+              </a:rPr>
+              <a:t>After every column specified, you can follow with ASC or DESC to specify if ordering is ascending or descending</a:t>
+            </a:r>
           </a:p>
           <a:p>
             <a:pPr marL="342900" indent="-342900">
@@ -28739,7 +29113,7 @@
     </p:spTree>
     <p:extLst>
       <p:ext uri="{BB962C8B-B14F-4D97-AF65-F5344CB8AC3E}">
-        <p14:creationId xmlns:p14="http://schemas.microsoft.com/office/powerpoint/2010/main" val="732808460"/>
+        <p14:creationId xmlns:p14="http://schemas.microsoft.com/office/powerpoint/2010/main" val="1772305224"/>
       </p:ext>
     </p:extLst>
   </p:cSld>
@@ -28795,7 +29169,7 @@
                 <a:latin typeface="Arial"/>
                 <a:cs typeface="Arial"/>
               </a:rPr>
-              <a:t>Some useful functions</a:t>
+              <a:t>Distinct selections</a:t>
             </a:r>
             <a:endParaRPr lang="en-GB" dirty="0">
               <a:solidFill>
@@ -28842,7 +29216,7 @@
                 <a:latin typeface="Arial"/>
                 <a:cs typeface="Arial"/>
               </a:rPr>
-              <a:t>Often, we want to extract more information than simply raw data even before moving onto analysis and modelling stages</a:t>
+              <a:t>Sometimes, when we want to look at a variable in isolation, we care about the number of distinct elements for a column</a:t>
             </a:r>
           </a:p>
           <a:p>
@@ -28857,7 +29231,7 @@
                 <a:latin typeface="Arial"/>
                 <a:cs typeface="Arial"/>
               </a:rPr>
-              <a:t>Fortunately, SQL helps with this thanks to some useful functions:</a:t>
+              <a:t>To do this, we can turn our SELECT into a SELECT DISTINCT:</a:t>
             </a:r>
           </a:p>
           <a:p>
@@ -28872,7 +29246,7 @@
                 <a:latin typeface="Arial"/>
                 <a:cs typeface="Arial"/>
               </a:rPr>
-              <a:t>COUNT(), AVG(), MIN(), MAX(), SUM()</a:t>
+              <a:t>SELECT DISTINCT column_1, column_2 …</a:t>
             </a:r>
           </a:p>
           <a:p>
@@ -28887,7 +29261,7 @@
                 <a:latin typeface="Arial"/>
                 <a:cs typeface="Arial"/>
               </a:rPr>
-              <a:t>These are directly applied onto the column of interest when specifying in the SELECT statement:</a:t>
+              <a:t>If you follow a SELECT DISTINCT statement by more than one column, SQL will look for distinct combinations of elements rather than distinct elements for each column </a:t>
             </a:r>
           </a:p>
           <a:p>
@@ -28897,69 +29271,10 @@
               </a:spcAft>
               <a:buChar char="•"/>
             </a:pPr>
-            <a:r>
-              <a:rPr lang="en-GB" sz="2000" dirty="0">
-                <a:latin typeface="Arial"/>
-                <a:cs typeface="Arial"/>
-              </a:rPr>
-              <a:t>SELECT COUNT(</a:t>
-            </a:r>
-            <a:r>
-              <a:rPr lang="en-GB" sz="2000" dirty="0" err="1">
-                <a:latin typeface="Arial"/>
-                <a:cs typeface="Arial"/>
-              </a:rPr>
-              <a:t>column_x</a:t>
-            </a:r>
-            <a:r>
-              <a:rPr lang="en-GB" sz="2000" dirty="0">
-                <a:latin typeface="Arial"/>
-                <a:cs typeface="Arial"/>
-              </a:rPr>
-              <a:t>)  FROM …</a:t>
-            </a:r>
-          </a:p>
-          <a:p>
-            <a:pPr marL="800100" lvl="1" indent="-342900">
-              <a:spcAft>
-                <a:spcPts val="1800"/>
-              </a:spcAft>
-              <a:buChar char="•"/>
-            </a:pPr>
-            <a:r>
-              <a:rPr lang="en-GB" sz="2000" dirty="0">
-                <a:latin typeface="Arial"/>
-                <a:cs typeface="Arial"/>
-              </a:rPr>
-              <a:t>SELECT SUM(</a:t>
-            </a:r>
-            <a:r>
-              <a:rPr lang="en-GB" sz="2000" dirty="0" err="1">
-                <a:cs typeface="Arial"/>
-              </a:rPr>
-              <a:t>column_y</a:t>
-            </a:r>
-            <a:r>
-              <a:rPr lang="en-GB" sz="2000" dirty="0">
-                <a:latin typeface="Arial"/>
-                <a:cs typeface="Arial"/>
-              </a:rPr>
-              <a:t>) FROM …</a:t>
-            </a:r>
-          </a:p>
-          <a:p>
-            <a:pPr lvl="1">
-              <a:spcAft>
-                <a:spcPts val="1800"/>
-              </a:spcAft>
-            </a:pPr>
-            <a:r>
-              <a:rPr lang="en-GB" sz="2000" dirty="0">
-                <a:latin typeface="Arial"/>
-                <a:cs typeface="Arial"/>
-              </a:rPr>
-              <a:t>   </a:t>
-            </a:r>
+            <a:endParaRPr lang="en-GB" sz="2000" dirty="0">
+              <a:latin typeface="Arial"/>
+              <a:cs typeface="Arial"/>
+            </a:endParaRPr>
           </a:p>
           <a:p>
             <a:pPr marL="342900" indent="-342900">
@@ -29023,7 +29338,7 @@
     </p:spTree>
     <p:extLst>
       <p:ext uri="{BB962C8B-B14F-4D97-AF65-F5344CB8AC3E}">
-        <p14:creationId xmlns:p14="http://schemas.microsoft.com/office/powerpoint/2010/main" val="2360079924"/>
+        <p14:creationId xmlns:p14="http://schemas.microsoft.com/office/powerpoint/2010/main" val="732808460"/>
       </p:ext>
     </p:extLst>
   </p:cSld>
@@ -31028,6 +31343,11 @@
 </file>
 
 <file path=customXml/item1.xml><?xml version="1.0" encoding="utf-8"?>
+<?mso-contentType ?>
+<SharedContentType xmlns="Microsoft.SharePoint.Taxonomy.ContentTypeSync" SourceId="1ee89e71-04cd-405e-9ca3-99e020c1694d" ContentTypeId="0x0101" PreviousValue="false"/>
+</file>
+
+<file path=customXml/item2.xml><?xml version="1.0" encoding="utf-8"?>
 <p:properties xmlns:p="http://schemas.microsoft.com/office/2006/metadata/properties" xmlns:xsi="http://www.w3.org/2001/XMLSchema-instance" xmlns:pc="http://schemas.microsoft.com/office/infopath/2007/PartnerControls">
   <documentManagement>
     <Keyword xmlns="44a56295-c29e-4898-8136-a54736c65b82" xsi:nil="true"/>
@@ -31036,12 +31356,16 @@
 </p:properties>
 </file>
 
-<file path=customXml/item2.xml><?xml version="1.0" encoding="utf-8"?>
+<file path=customXml/item3.xml><?xml version="1.0" encoding="utf-8"?>
 <?mso-contentType ?>
-<SharedContentType xmlns="Microsoft.SharePoint.Taxonomy.ContentTypeSync" SourceId="1ee89e71-04cd-405e-9ca3-99e020c1694d" ContentTypeId="0x0101" PreviousValue="false"/>
+<FormTemplates xmlns="http://schemas.microsoft.com/sharepoint/v3/contenttype/forms">
+  <Display>DocumentLibraryForm</Display>
+  <Edit>DocumentLibraryForm</Edit>
+  <New>DocumentLibraryForm</New>
+</FormTemplates>
 </file>
 
-<file path=customXml/item3.xml><?xml version="1.0" encoding="utf-8"?>
+<file path=customXml/item4.xml><?xml version="1.0" encoding="utf-8"?>
 <ct:contentTypeSchema xmlns:ct="http://schemas.microsoft.com/office/2006/metadata/contentType" xmlns:ma="http://schemas.microsoft.com/office/2006/metadata/properties/metaAttributes" ct:_="" ma:_="" ma:contentTypeName="Document" ma:contentTypeID="0x010100C9F3DD611966374C9EAA8DC5A2F94CD8" ma:contentTypeVersion="8" ma:contentTypeDescription="Create a new document." ma:contentTypeScope="" ma:versionID="18a8759320524e51783f13c6663a10d1">
   <xsd:schema xmlns:xsd="http://www.w3.org/2001/XMLSchema" xmlns:xs="http://www.w3.org/2001/XMLSchema" xmlns:p="http://schemas.microsoft.com/office/2006/metadata/properties" xmlns:ns2="44a56295-c29e-4898-8136-a54736c65b82" xmlns:ns3="9675ef8f-b755-4cd6-a742-8cae3d86c4fe" targetNamespace="http://schemas.microsoft.com/office/2006/metadata/properties" ma:root="true" ma:fieldsID="1b693415669a5bc10d56a9234ce5202b" ns2:_="" ns3:_="">
     <xsd:import namespace="44a56295-c29e-4898-8136-a54736c65b82"/>
@@ -31220,16 +31544,15 @@
 </ct:contentTypeSchema>
 </file>
 
-<file path=customXml/item4.xml><?xml version="1.0" encoding="utf-8"?>
-<?mso-contentType ?>
-<FormTemplates xmlns="http://schemas.microsoft.com/sharepoint/v3/contenttype/forms">
-  <Display>DocumentLibraryForm</Display>
-  <Edit>DocumentLibraryForm</Edit>
-  <New>DocumentLibraryForm</New>
-</FormTemplates>
+<file path=customXml/itemProps1.xml><?xml version="1.0" encoding="utf-8"?>
+<ds:datastoreItem xmlns:ds="http://schemas.openxmlformats.org/officeDocument/2006/customXml" ds:itemID="{3D9D9437-4660-4E6E-9349-9C8386915BD1}">
+  <ds:schemaRefs>
+    <ds:schemaRef ds:uri="Microsoft.SharePoint.Taxonomy.ContentTypeSync"/>
+  </ds:schemaRefs>
+</ds:datastoreItem>
 </file>
 
-<file path=customXml/itemProps1.xml><?xml version="1.0" encoding="utf-8"?>
+<file path=customXml/itemProps2.xml><?xml version="1.0" encoding="utf-8"?>
 <ds:datastoreItem xmlns:ds="http://schemas.openxmlformats.org/officeDocument/2006/customXml" ds:itemID="{8E7055A9-979E-42E4-8AE4-11D4A57371C1}">
   <ds:schemaRefs>
     <ds:schemaRef ds:uri="9675ef8f-b755-4cd6-a742-8cae3d86c4fe"/>
@@ -31246,15 +31569,15 @@
 </ds:datastoreItem>
 </file>
 
-<file path=customXml/itemProps2.xml><?xml version="1.0" encoding="utf-8"?>
-<ds:datastoreItem xmlns:ds="http://schemas.openxmlformats.org/officeDocument/2006/customXml" ds:itemID="{3D9D9437-4660-4E6E-9349-9C8386915BD1}">
+<file path=customXml/itemProps3.xml><?xml version="1.0" encoding="utf-8"?>
+<ds:datastoreItem xmlns:ds="http://schemas.openxmlformats.org/officeDocument/2006/customXml" ds:itemID="{CCB085B9-8EF5-4B2C-B089-029492EC23AC}">
   <ds:schemaRefs>
-    <ds:schemaRef ds:uri="Microsoft.SharePoint.Taxonomy.ContentTypeSync"/>
+    <ds:schemaRef ds:uri="http://schemas.microsoft.com/sharepoint/v3/contenttype/forms"/>
   </ds:schemaRefs>
 </ds:datastoreItem>
 </file>
 
-<file path=customXml/itemProps3.xml><?xml version="1.0" encoding="utf-8"?>
+<file path=customXml/itemProps4.xml><?xml version="1.0" encoding="utf-8"?>
 <ds:datastoreItem xmlns:ds="http://schemas.openxmlformats.org/officeDocument/2006/customXml" ds:itemID="{24E5F6C7-5787-4F29-BDCC-CDAE99EBBCCB}">
   <ds:schemaRefs>
     <ds:schemaRef ds:uri="http://schemas.microsoft.com/office/2006/metadata/contentType"/>
@@ -31271,12 +31594,4 @@
     <ds:schemaRef ds:uri="http://schemas.microsoft.com/internal/obd"/>
   </ds:schemaRefs>
 </ds:datastoreItem>
-</file>
-
-<file path=customXml/itemProps4.xml><?xml version="1.0" encoding="utf-8"?>
-<ds:datastoreItem xmlns:ds="http://schemas.openxmlformats.org/officeDocument/2006/customXml" ds:itemID="{CCB085B9-8EF5-4B2C-B089-029492EC23AC}">
-  <ds:schemaRefs>
-    <ds:schemaRef ds:uri="http://schemas.microsoft.com/sharepoint/v3/contenttype/forms"/>
-  </ds:schemaRefs>
-</ds:datastoreItem>
 </file>